--- a/src/templates/certificate.pptx
+++ b/src/templates/certificate.pptx
@@ -1,12 +1,11 @@
 
 <file path=ppt/presentation.xml><?xml version="1.0" encoding="utf-8"?>
-<p:presentation xmlns:a="http://schemas.openxmlformats.org/drawingml/2006/main" xmlns:r="http://schemas.openxmlformats.org/officeDocument/2006/relationships" xmlns:p="http://schemas.openxmlformats.org/presentationml/2006/main" saveSubsetFonts="1">
+<p:presentation xmlns:a="http://schemas.openxmlformats.org/drawingml/2006/main" xmlns:r="http://schemas.openxmlformats.org/officeDocument/2006/relationships" xmlns:p="http://schemas.openxmlformats.org/presentationml/2006/main">
   <p:sldMasterIdLst>
-    <p:sldMasterId id="2147483660" r:id="rId1"/>
+    <p:sldMasterId id="2147483648" r:id="rId1"/>
   </p:sldMasterIdLst>
   <p:sldIdLst>
-    <p:sldId id="256" r:id="rId2"/>
-    <p:sldId id="257" r:id="rId3"/>
+    <p:sldId id="256" r:id="rId3"/>
   </p:sldIdLst>
   <p:sldSz cx="9144000" cy="6858000" type="screen4x3"/>
   <p:notesSz cx="6858000" cy="9144000"/>
@@ -105,11 +104,6 @@
       </a:defRPr>
     </a:lvl9pPr>
   </p:defaultTextStyle>
-  <p:extLst>
-    <p:ext uri="{EFAFB233-063F-42B5-8137-9DF3F51BA10A}">
-      <p15:sldGuideLst xmlns:p15="http://schemas.microsoft.com/office/powerpoint/2012/main"/>
-    </p:ext>
-  </p:extLst>
 </p:presentation>
 </file>
 
@@ -244,7 +238,6 @@
           <a:p>
             <a:fld id="{B3DEDF6B-00FF-4F12-A4EC-51079F0F06DC}" type="datetimeFigureOut">
               <a:rPr lang="es-MX" smtClean="0"/>
-              <a:t>16/11/21</a:t>
             </a:fld>
             <a:endParaRPr lang="es-MX"/>
           </a:p>
@@ -286,18 +279,12 @@
           <a:p>
             <a:fld id="{9E46E11A-FB4E-445C-A377-99C7A75F3DB7}" type="slidenum">
               <a:rPr lang="es-MX" smtClean="0"/>
-              <a:t>‹Nº›</a:t>
             </a:fld>
             <a:endParaRPr lang="es-MX"/>
           </a:p>
         </p:txBody>
       </p:sp>
     </p:spTree>
-    <p:extLst>
-      <p:ext uri="{BB962C8B-B14F-4D97-AF65-F5344CB8AC3E}">
-        <p14:creationId xmlns:p14="http://schemas.microsoft.com/office/powerpoint/2010/main" val="3726181437"/>
-      </p:ext>
-    </p:extLst>
   </p:cSld>
   <p:clrMapOvr>
     <a:masterClrMapping/>
@@ -365,6 +352,7 @@
               <a:rPr lang="es-ES"/>
               <a:t>Editar el estilo de texto del patrón</a:t>
             </a:r>
+            <a:endParaRPr lang="es-ES"/>
           </a:p>
           <a:p>
             <a:pPr lvl="1"/>
@@ -372,6 +360,7 @@
               <a:rPr lang="es-ES"/>
               <a:t>Segundo nivel</a:t>
             </a:r>
+            <a:endParaRPr lang="es-ES"/>
           </a:p>
           <a:p>
             <a:pPr lvl="2"/>
@@ -379,6 +368,7 @@
               <a:rPr lang="es-ES"/>
               <a:t>Tercer nivel</a:t>
             </a:r>
+            <a:endParaRPr lang="es-ES"/>
           </a:p>
           <a:p>
             <a:pPr lvl="3"/>
@@ -386,6 +376,7 @@
               <a:rPr lang="es-ES"/>
               <a:t>Cuarto nivel</a:t>
             </a:r>
+            <a:endParaRPr lang="es-ES"/>
           </a:p>
           <a:p>
             <a:pPr lvl="4"/>
@@ -414,7 +405,6 @@
           <a:p>
             <a:fld id="{B3DEDF6B-00FF-4F12-A4EC-51079F0F06DC}" type="datetimeFigureOut">
               <a:rPr lang="es-MX" smtClean="0"/>
-              <a:t>16/11/21</a:t>
             </a:fld>
             <a:endParaRPr lang="es-MX"/>
           </a:p>
@@ -456,18 +446,12 @@
           <a:p>
             <a:fld id="{9E46E11A-FB4E-445C-A377-99C7A75F3DB7}" type="slidenum">
               <a:rPr lang="es-MX" smtClean="0"/>
-              <a:t>‹Nº›</a:t>
             </a:fld>
             <a:endParaRPr lang="es-MX"/>
           </a:p>
         </p:txBody>
       </p:sp>
     </p:spTree>
-    <p:extLst>
-      <p:ext uri="{BB962C8B-B14F-4D97-AF65-F5344CB8AC3E}">
-        <p14:creationId xmlns:p14="http://schemas.microsoft.com/office/powerpoint/2010/main" val="1882496551"/>
-      </p:ext>
-    </p:extLst>
   </p:cSld>
   <p:clrMapOvr>
     <a:masterClrMapping/>
@@ -545,6 +529,7 @@
               <a:rPr lang="es-ES"/>
               <a:t>Editar el estilo de texto del patrón</a:t>
             </a:r>
+            <a:endParaRPr lang="es-ES"/>
           </a:p>
           <a:p>
             <a:pPr lvl="1"/>
@@ -552,6 +537,7 @@
               <a:rPr lang="es-ES"/>
               <a:t>Segundo nivel</a:t>
             </a:r>
+            <a:endParaRPr lang="es-ES"/>
           </a:p>
           <a:p>
             <a:pPr lvl="2"/>
@@ -559,6 +545,7 @@
               <a:rPr lang="es-ES"/>
               <a:t>Tercer nivel</a:t>
             </a:r>
+            <a:endParaRPr lang="es-ES"/>
           </a:p>
           <a:p>
             <a:pPr lvl="3"/>
@@ -566,6 +553,7 @@
               <a:rPr lang="es-ES"/>
               <a:t>Cuarto nivel</a:t>
             </a:r>
+            <a:endParaRPr lang="es-ES"/>
           </a:p>
           <a:p>
             <a:pPr lvl="4"/>
@@ -594,7 +582,6 @@
           <a:p>
             <a:fld id="{B3DEDF6B-00FF-4F12-A4EC-51079F0F06DC}" type="datetimeFigureOut">
               <a:rPr lang="es-MX" smtClean="0"/>
-              <a:t>16/11/21</a:t>
             </a:fld>
             <a:endParaRPr lang="es-MX"/>
           </a:p>
@@ -636,18 +623,12 @@
           <a:p>
             <a:fld id="{9E46E11A-FB4E-445C-A377-99C7A75F3DB7}" type="slidenum">
               <a:rPr lang="es-MX" smtClean="0"/>
-              <a:t>‹Nº›</a:t>
             </a:fld>
             <a:endParaRPr lang="es-MX"/>
           </a:p>
         </p:txBody>
       </p:sp>
     </p:spTree>
-    <p:extLst>
-      <p:ext uri="{BB962C8B-B14F-4D97-AF65-F5344CB8AC3E}">
-        <p14:creationId xmlns:p14="http://schemas.microsoft.com/office/powerpoint/2010/main" val="524445417"/>
-      </p:ext>
-    </p:extLst>
   </p:cSld>
   <p:clrMapOvr>
     <a:masterClrMapping/>
@@ -715,6 +696,7 @@
               <a:rPr lang="es-ES"/>
               <a:t>Editar el estilo de texto del patrón</a:t>
             </a:r>
+            <a:endParaRPr lang="es-ES"/>
           </a:p>
           <a:p>
             <a:pPr lvl="1"/>
@@ -722,6 +704,7 @@
               <a:rPr lang="es-ES"/>
               <a:t>Segundo nivel</a:t>
             </a:r>
+            <a:endParaRPr lang="es-ES"/>
           </a:p>
           <a:p>
             <a:pPr lvl="2"/>
@@ -729,6 +712,7 @@
               <a:rPr lang="es-ES"/>
               <a:t>Tercer nivel</a:t>
             </a:r>
+            <a:endParaRPr lang="es-ES"/>
           </a:p>
           <a:p>
             <a:pPr lvl="3"/>
@@ -736,6 +720,7 @@
               <a:rPr lang="es-ES"/>
               <a:t>Cuarto nivel</a:t>
             </a:r>
+            <a:endParaRPr lang="es-ES"/>
           </a:p>
           <a:p>
             <a:pPr lvl="4"/>
@@ -764,7 +749,6 @@
           <a:p>
             <a:fld id="{B3DEDF6B-00FF-4F12-A4EC-51079F0F06DC}" type="datetimeFigureOut">
               <a:rPr lang="es-MX" smtClean="0"/>
-              <a:t>16/11/21</a:t>
             </a:fld>
             <a:endParaRPr lang="es-MX"/>
           </a:p>
@@ -806,18 +790,12 @@
           <a:p>
             <a:fld id="{9E46E11A-FB4E-445C-A377-99C7A75F3DB7}" type="slidenum">
               <a:rPr lang="es-MX" smtClean="0"/>
-              <a:t>‹Nº›</a:t>
             </a:fld>
             <a:endParaRPr lang="es-MX"/>
           </a:p>
         </p:txBody>
       </p:sp>
     </p:spTree>
-    <p:extLst>
-      <p:ext uri="{BB962C8B-B14F-4D97-AF65-F5344CB8AC3E}">
-        <p14:creationId xmlns:p14="http://schemas.microsoft.com/office/powerpoint/2010/main" val="3859514538"/>
-      </p:ext>
-    </p:extLst>
   </p:cSld>
   <p:clrMapOvr>
     <a:masterClrMapping/>
@@ -988,6 +966,7 @@
               <a:rPr lang="es-ES"/>
               <a:t>Editar el estilo de texto del patrón</a:t>
             </a:r>
+            <a:endParaRPr lang="es-ES"/>
           </a:p>
         </p:txBody>
       </p:sp>
@@ -1008,7 +987,6 @@
           <a:p>
             <a:fld id="{B3DEDF6B-00FF-4F12-A4EC-51079F0F06DC}" type="datetimeFigureOut">
               <a:rPr lang="es-MX" smtClean="0"/>
-              <a:t>16/11/21</a:t>
             </a:fld>
             <a:endParaRPr lang="es-MX"/>
           </a:p>
@@ -1050,18 +1028,12 @@
           <a:p>
             <a:fld id="{9E46E11A-FB4E-445C-A377-99C7A75F3DB7}" type="slidenum">
               <a:rPr lang="es-MX" smtClean="0"/>
-              <a:t>‹Nº›</a:t>
             </a:fld>
             <a:endParaRPr lang="es-MX"/>
           </a:p>
         </p:txBody>
       </p:sp>
     </p:spTree>
-    <p:extLst>
-      <p:ext uri="{BB962C8B-B14F-4D97-AF65-F5344CB8AC3E}">
-        <p14:creationId xmlns:p14="http://schemas.microsoft.com/office/powerpoint/2010/main" val="3709330871"/>
-      </p:ext>
-    </p:extLst>
   </p:cSld>
   <p:clrMapOvr>
     <a:masterClrMapping/>
@@ -1134,6 +1106,7 @@
               <a:rPr lang="es-ES"/>
               <a:t>Editar el estilo de texto del patrón</a:t>
             </a:r>
+            <a:endParaRPr lang="es-ES"/>
           </a:p>
           <a:p>
             <a:pPr lvl="1"/>
@@ -1141,6 +1114,7 @@
               <a:rPr lang="es-ES"/>
               <a:t>Segundo nivel</a:t>
             </a:r>
+            <a:endParaRPr lang="es-ES"/>
           </a:p>
           <a:p>
             <a:pPr lvl="2"/>
@@ -1148,6 +1122,7 @@
               <a:rPr lang="es-ES"/>
               <a:t>Tercer nivel</a:t>
             </a:r>
+            <a:endParaRPr lang="es-ES"/>
           </a:p>
           <a:p>
             <a:pPr lvl="3"/>
@@ -1155,6 +1130,7 @@
               <a:rPr lang="es-ES"/>
               <a:t>Cuarto nivel</a:t>
             </a:r>
+            <a:endParaRPr lang="es-ES"/>
           </a:p>
           <a:p>
             <a:pPr lvl="4"/>
@@ -1191,6 +1167,7 @@
               <a:rPr lang="es-ES"/>
               <a:t>Editar el estilo de texto del patrón</a:t>
             </a:r>
+            <a:endParaRPr lang="es-ES"/>
           </a:p>
           <a:p>
             <a:pPr lvl="1"/>
@@ -1198,6 +1175,7 @@
               <a:rPr lang="es-ES"/>
               <a:t>Segundo nivel</a:t>
             </a:r>
+            <a:endParaRPr lang="es-ES"/>
           </a:p>
           <a:p>
             <a:pPr lvl="2"/>
@@ -1205,6 +1183,7 @@
               <a:rPr lang="es-ES"/>
               <a:t>Tercer nivel</a:t>
             </a:r>
+            <a:endParaRPr lang="es-ES"/>
           </a:p>
           <a:p>
             <a:pPr lvl="3"/>
@@ -1212,6 +1191,7 @@
               <a:rPr lang="es-ES"/>
               <a:t>Cuarto nivel</a:t>
             </a:r>
+            <a:endParaRPr lang="es-ES"/>
           </a:p>
           <a:p>
             <a:pPr lvl="4"/>
@@ -1240,7 +1220,6 @@
           <a:p>
             <a:fld id="{B3DEDF6B-00FF-4F12-A4EC-51079F0F06DC}" type="datetimeFigureOut">
               <a:rPr lang="es-MX" smtClean="0"/>
-              <a:t>16/11/21</a:t>
             </a:fld>
             <a:endParaRPr lang="es-MX"/>
           </a:p>
@@ -1282,18 +1261,12 @@
           <a:p>
             <a:fld id="{9E46E11A-FB4E-445C-A377-99C7A75F3DB7}" type="slidenum">
               <a:rPr lang="es-MX" smtClean="0"/>
-              <a:t>‹Nº›</a:t>
             </a:fld>
             <a:endParaRPr lang="es-MX"/>
           </a:p>
         </p:txBody>
       </p:sp>
     </p:spTree>
-    <p:extLst>
-      <p:ext uri="{BB962C8B-B14F-4D97-AF65-F5344CB8AC3E}">
-        <p14:creationId xmlns:p14="http://schemas.microsoft.com/office/powerpoint/2010/main" val="2922025950"/>
-      </p:ext>
-    </p:extLst>
   </p:cSld>
   <p:clrMapOvr>
     <a:masterClrMapping/>
@@ -1408,6 +1381,7 @@
               <a:rPr lang="es-ES"/>
               <a:t>Editar el estilo de texto del patrón</a:t>
             </a:r>
+            <a:endParaRPr lang="es-ES"/>
           </a:p>
         </p:txBody>
       </p:sp>
@@ -1436,6 +1410,7 @@
               <a:rPr lang="es-ES"/>
               <a:t>Editar el estilo de texto del patrón</a:t>
             </a:r>
+            <a:endParaRPr lang="es-ES"/>
           </a:p>
           <a:p>
             <a:pPr lvl="1"/>
@@ -1443,6 +1418,7 @@
               <a:rPr lang="es-ES"/>
               <a:t>Segundo nivel</a:t>
             </a:r>
+            <a:endParaRPr lang="es-ES"/>
           </a:p>
           <a:p>
             <a:pPr lvl="2"/>
@@ -1450,6 +1426,7 @@
               <a:rPr lang="es-ES"/>
               <a:t>Tercer nivel</a:t>
             </a:r>
+            <a:endParaRPr lang="es-ES"/>
           </a:p>
           <a:p>
             <a:pPr lvl="3"/>
@@ -1457,6 +1434,7 @@
               <a:rPr lang="es-ES"/>
               <a:t>Cuarto nivel</a:t>
             </a:r>
+            <a:endParaRPr lang="es-ES"/>
           </a:p>
           <a:p>
             <a:pPr lvl="4"/>
@@ -1530,6 +1508,7 @@
               <a:rPr lang="es-ES"/>
               <a:t>Editar el estilo de texto del patrón</a:t>
             </a:r>
+            <a:endParaRPr lang="es-ES"/>
           </a:p>
         </p:txBody>
       </p:sp>
@@ -1558,6 +1537,7 @@
               <a:rPr lang="es-ES"/>
               <a:t>Editar el estilo de texto del patrón</a:t>
             </a:r>
+            <a:endParaRPr lang="es-ES"/>
           </a:p>
           <a:p>
             <a:pPr lvl="1"/>
@@ -1565,6 +1545,7 @@
               <a:rPr lang="es-ES"/>
               <a:t>Segundo nivel</a:t>
             </a:r>
+            <a:endParaRPr lang="es-ES"/>
           </a:p>
           <a:p>
             <a:pPr lvl="2"/>
@@ -1572,6 +1553,7 @@
               <a:rPr lang="es-ES"/>
               <a:t>Tercer nivel</a:t>
             </a:r>
+            <a:endParaRPr lang="es-ES"/>
           </a:p>
           <a:p>
             <a:pPr lvl="3"/>
@@ -1579,6 +1561,7 @@
               <a:rPr lang="es-ES"/>
               <a:t>Cuarto nivel</a:t>
             </a:r>
+            <a:endParaRPr lang="es-ES"/>
           </a:p>
           <a:p>
             <a:pPr lvl="4"/>
@@ -1607,7 +1590,6 @@
           <a:p>
             <a:fld id="{B3DEDF6B-00FF-4F12-A4EC-51079F0F06DC}" type="datetimeFigureOut">
               <a:rPr lang="es-MX" smtClean="0"/>
-              <a:t>16/11/21</a:t>
             </a:fld>
             <a:endParaRPr lang="es-MX"/>
           </a:p>
@@ -1649,18 +1631,12 @@
           <a:p>
             <a:fld id="{9E46E11A-FB4E-445C-A377-99C7A75F3DB7}" type="slidenum">
               <a:rPr lang="es-MX" smtClean="0"/>
-              <a:t>‹Nº›</a:t>
             </a:fld>
             <a:endParaRPr lang="es-MX"/>
           </a:p>
         </p:txBody>
       </p:sp>
     </p:spTree>
-    <p:extLst>
-      <p:ext uri="{BB962C8B-B14F-4D97-AF65-F5344CB8AC3E}">
-        <p14:creationId xmlns:p14="http://schemas.microsoft.com/office/powerpoint/2010/main" val="204428837"/>
-      </p:ext>
-    </p:extLst>
   </p:cSld>
   <p:clrMapOvr>
     <a:masterClrMapping/>
@@ -1725,7 +1701,6 @@
           <a:p>
             <a:fld id="{B3DEDF6B-00FF-4F12-A4EC-51079F0F06DC}" type="datetimeFigureOut">
               <a:rPr lang="es-MX" smtClean="0"/>
-              <a:t>16/11/21</a:t>
             </a:fld>
             <a:endParaRPr lang="es-MX"/>
           </a:p>
@@ -1767,18 +1742,12 @@
           <a:p>
             <a:fld id="{9E46E11A-FB4E-445C-A377-99C7A75F3DB7}" type="slidenum">
               <a:rPr lang="es-MX" smtClean="0"/>
-              <a:t>‹Nº›</a:t>
             </a:fld>
             <a:endParaRPr lang="es-MX"/>
           </a:p>
         </p:txBody>
       </p:sp>
     </p:spTree>
-    <p:extLst>
-      <p:ext uri="{BB962C8B-B14F-4D97-AF65-F5344CB8AC3E}">
-        <p14:creationId xmlns:p14="http://schemas.microsoft.com/office/powerpoint/2010/main" val="1916849054"/>
-      </p:ext>
-    </p:extLst>
   </p:cSld>
   <p:clrMapOvr>
     <a:masterClrMapping/>
@@ -1820,7 +1789,6 @@
           <a:p>
             <a:fld id="{B3DEDF6B-00FF-4F12-A4EC-51079F0F06DC}" type="datetimeFigureOut">
               <a:rPr lang="es-MX" smtClean="0"/>
-              <a:t>16/11/21</a:t>
             </a:fld>
             <a:endParaRPr lang="es-MX"/>
           </a:p>
@@ -1862,18 +1830,12 @@
           <a:p>
             <a:fld id="{9E46E11A-FB4E-445C-A377-99C7A75F3DB7}" type="slidenum">
               <a:rPr lang="es-MX" smtClean="0"/>
-              <a:t>‹Nº›</a:t>
             </a:fld>
             <a:endParaRPr lang="es-MX"/>
           </a:p>
         </p:txBody>
       </p:sp>
     </p:spTree>
-    <p:extLst>
-      <p:ext uri="{BB962C8B-B14F-4D97-AF65-F5344CB8AC3E}">
-        <p14:creationId xmlns:p14="http://schemas.microsoft.com/office/powerpoint/2010/main" val="1433619390"/>
-      </p:ext>
-    </p:extLst>
   </p:cSld>
   <p:clrMapOvr>
     <a:masterClrMapping/>
@@ -1983,6 +1945,7 @@
               <a:rPr lang="es-ES"/>
               <a:t>Editar el estilo de texto del patrón</a:t>
             </a:r>
+            <a:endParaRPr lang="es-ES"/>
           </a:p>
           <a:p>
             <a:pPr lvl="1"/>
@@ -1990,6 +1953,7 @@
               <a:rPr lang="es-ES"/>
               <a:t>Segundo nivel</a:t>
             </a:r>
+            <a:endParaRPr lang="es-ES"/>
           </a:p>
           <a:p>
             <a:pPr lvl="2"/>
@@ -1997,6 +1961,7 @@
               <a:rPr lang="es-ES"/>
               <a:t>Tercer nivel</a:t>
             </a:r>
+            <a:endParaRPr lang="es-ES"/>
           </a:p>
           <a:p>
             <a:pPr lvl="3"/>
@@ -2004,6 +1969,7 @@
               <a:rPr lang="es-ES"/>
               <a:t>Cuarto nivel</a:t>
             </a:r>
+            <a:endParaRPr lang="es-ES"/>
           </a:p>
           <a:p>
             <a:pPr lvl="4"/>
@@ -2077,6 +2043,7 @@
               <a:rPr lang="es-ES"/>
               <a:t>Editar el estilo de texto del patrón</a:t>
             </a:r>
+            <a:endParaRPr lang="es-ES"/>
           </a:p>
         </p:txBody>
       </p:sp>
@@ -2097,7 +2064,6 @@
           <a:p>
             <a:fld id="{B3DEDF6B-00FF-4F12-A4EC-51079F0F06DC}" type="datetimeFigureOut">
               <a:rPr lang="es-MX" smtClean="0"/>
-              <a:t>16/11/21</a:t>
             </a:fld>
             <a:endParaRPr lang="es-MX"/>
           </a:p>
@@ -2139,18 +2105,12 @@
           <a:p>
             <a:fld id="{9E46E11A-FB4E-445C-A377-99C7A75F3DB7}" type="slidenum">
               <a:rPr lang="es-MX" smtClean="0"/>
-              <a:t>‹Nº›</a:t>
             </a:fld>
             <a:endParaRPr lang="es-MX"/>
           </a:p>
         </p:txBody>
       </p:sp>
     </p:spTree>
-    <p:extLst>
-      <p:ext uri="{BB962C8B-B14F-4D97-AF65-F5344CB8AC3E}">
-        <p14:creationId xmlns:p14="http://schemas.microsoft.com/office/powerpoint/2010/main" val="2004110788"/>
-      </p:ext>
-    </p:extLst>
   </p:cSld>
   <p:clrMapOvr>
     <a:masterClrMapping/>
@@ -2334,6 +2294,7 @@
               <a:rPr lang="es-ES"/>
               <a:t>Editar el estilo de texto del patrón</a:t>
             </a:r>
+            <a:endParaRPr lang="es-ES"/>
           </a:p>
         </p:txBody>
       </p:sp>
@@ -2354,7 +2315,6 @@
           <a:p>
             <a:fld id="{B3DEDF6B-00FF-4F12-A4EC-51079F0F06DC}" type="datetimeFigureOut">
               <a:rPr lang="es-MX" smtClean="0"/>
-              <a:t>16/11/21</a:t>
             </a:fld>
             <a:endParaRPr lang="es-MX"/>
           </a:p>
@@ -2396,18 +2356,12 @@
           <a:p>
             <a:fld id="{9E46E11A-FB4E-445C-A377-99C7A75F3DB7}" type="slidenum">
               <a:rPr lang="es-MX" smtClean="0"/>
-              <a:t>‹Nº›</a:t>
             </a:fld>
             <a:endParaRPr lang="es-MX"/>
           </a:p>
         </p:txBody>
       </p:sp>
     </p:spTree>
-    <p:extLst>
-      <p:ext uri="{BB962C8B-B14F-4D97-AF65-F5344CB8AC3E}">
-        <p14:creationId xmlns:p14="http://schemas.microsoft.com/office/powerpoint/2010/main" val="1947688734"/>
-      </p:ext>
-    </p:extLst>
   </p:cSld>
   <p:clrMapOvr>
     <a:masterClrMapping/>
@@ -2421,7 +2375,7 @@
     <p:bg>
       <p:bgPr>
         <a:blipFill dpi="0" rotWithShape="1">
-          <a:blip r:embed="rId13">
+          <a:blip r:embed="rId12">
             <a:lum/>
           </a:blip>
           <a:srcRect/>
@@ -2509,6 +2463,7 @@
               <a:rPr lang="es-ES"/>
               <a:t>Editar el estilo de texto del patrón</a:t>
             </a:r>
+            <a:endParaRPr lang="es-ES"/>
           </a:p>
           <a:p>
             <a:pPr lvl="1"/>
@@ -2516,6 +2471,7 @@
               <a:rPr lang="es-ES"/>
               <a:t>Segundo nivel</a:t>
             </a:r>
+            <a:endParaRPr lang="es-ES"/>
           </a:p>
           <a:p>
             <a:pPr lvl="2"/>
@@ -2523,6 +2479,7 @@
               <a:rPr lang="es-ES"/>
               <a:t>Tercer nivel</a:t>
             </a:r>
+            <a:endParaRPr lang="es-ES"/>
           </a:p>
           <a:p>
             <a:pPr lvl="3"/>
@@ -2530,6 +2487,7 @@
               <a:rPr lang="es-ES"/>
               <a:t>Cuarto nivel</a:t>
             </a:r>
+            <a:endParaRPr lang="es-ES"/>
           </a:p>
           <a:p>
             <a:pPr lvl="4"/>
@@ -2576,7 +2534,6 @@
           <a:p>
             <a:fld id="{B3DEDF6B-00FF-4F12-A4EC-51079F0F06DC}" type="datetimeFigureOut">
               <a:rPr lang="es-MX" smtClean="0"/>
-              <a:t>16/11/21</a:t>
             </a:fld>
             <a:endParaRPr lang="es-MX"/>
           </a:p>
@@ -2654,32 +2611,26 @@
           <a:p>
             <a:fld id="{9E46E11A-FB4E-445C-A377-99C7A75F3DB7}" type="slidenum">
               <a:rPr lang="es-MX" smtClean="0"/>
-              <a:t>‹Nº›</a:t>
             </a:fld>
             <a:endParaRPr lang="es-MX"/>
           </a:p>
         </p:txBody>
       </p:sp>
     </p:spTree>
-    <p:extLst>
-      <p:ext uri="{BB962C8B-B14F-4D97-AF65-F5344CB8AC3E}">
-        <p14:creationId xmlns:p14="http://schemas.microsoft.com/office/powerpoint/2010/main" val="35209836"/>
-      </p:ext>
-    </p:extLst>
   </p:cSld>
   <p:clrMap bg1="lt1" tx1="dk1" bg2="lt2" tx2="dk2" accent1="accent1" accent2="accent2" accent3="accent3" accent4="accent4" accent5="accent5" accent6="accent6" hlink="hlink" folHlink="folHlink"/>
   <p:sldLayoutIdLst>
-    <p:sldLayoutId id="2147483661" r:id="rId1"/>
-    <p:sldLayoutId id="2147483662" r:id="rId2"/>
-    <p:sldLayoutId id="2147483663" r:id="rId3"/>
-    <p:sldLayoutId id="2147483664" r:id="rId4"/>
-    <p:sldLayoutId id="2147483665" r:id="rId5"/>
-    <p:sldLayoutId id="2147483666" r:id="rId6"/>
-    <p:sldLayoutId id="2147483667" r:id="rId7"/>
-    <p:sldLayoutId id="2147483668" r:id="rId8"/>
-    <p:sldLayoutId id="2147483669" r:id="rId9"/>
-    <p:sldLayoutId id="2147483670" r:id="rId10"/>
-    <p:sldLayoutId id="2147483671" r:id="rId11"/>
+    <p:sldLayoutId id="2147483649" r:id="rId1"/>
+    <p:sldLayoutId id="2147483650" r:id="rId2"/>
+    <p:sldLayoutId id="2147483651" r:id="rId3"/>
+    <p:sldLayoutId id="2147483652" r:id="rId4"/>
+    <p:sldLayoutId id="2147483653" r:id="rId5"/>
+    <p:sldLayoutId id="2147483654" r:id="rId6"/>
+    <p:sldLayoutId id="2147483655" r:id="rId7"/>
+    <p:sldLayoutId id="2147483656" r:id="rId8"/>
+    <p:sldLayoutId id="2147483657" r:id="rId9"/>
+    <p:sldLayoutId id="2147483658" r:id="rId10"/>
+    <p:sldLayoutId id="2147483659" r:id="rId11"/>
   </p:sldLayoutIdLst>
   <p:txStyles>
     <p:titleStyle>
@@ -2709,7 +2660,7 @@
         <a:spcBef>
           <a:spcPts val="1000"/>
         </a:spcBef>
-        <a:buFont typeface="Arial" panose="020B0604020202020204" pitchFamily="34" charset="0"/>
+        <a:buFont typeface="Arial" panose="020B0604020202090204" pitchFamily="34" charset="0"/>
         <a:buChar char="•"/>
         <a:defRPr sz="2800" kern="1200">
           <a:solidFill>
@@ -2727,7 +2678,7 @@
         <a:spcBef>
           <a:spcPts val="500"/>
         </a:spcBef>
-        <a:buFont typeface="Arial" panose="020B0604020202020204" pitchFamily="34" charset="0"/>
+        <a:buFont typeface="Arial" panose="020B0604020202090204" pitchFamily="34" charset="0"/>
         <a:buChar char="•"/>
         <a:defRPr sz="2400" kern="1200">
           <a:solidFill>
@@ -2745,7 +2696,7 @@
         <a:spcBef>
           <a:spcPts val="500"/>
         </a:spcBef>
-        <a:buFont typeface="Arial" panose="020B0604020202020204" pitchFamily="34" charset="0"/>
+        <a:buFont typeface="Arial" panose="020B0604020202090204" pitchFamily="34" charset="0"/>
         <a:buChar char="•"/>
         <a:defRPr sz="2000" kern="1200">
           <a:solidFill>
@@ -2763,7 +2714,7 @@
         <a:spcBef>
           <a:spcPts val="500"/>
         </a:spcBef>
-        <a:buFont typeface="Arial" panose="020B0604020202020204" pitchFamily="34" charset="0"/>
+        <a:buFont typeface="Arial" panose="020B0604020202090204" pitchFamily="34" charset="0"/>
         <a:buChar char="•"/>
         <a:defRPr sz="1800" kern="1200">
           <a:solidFill>
@@ -2781,7 +2732,7 @@
         <a:spcBef>
           <a:spcPts val="500"/>
         </a:spcBef>
-        <a:buFont typeface="Arial" panose="020B0604020202020204" pitchFamily="34" charset="0"/>
+        <a:buFont typeface="Arial" panose="020B0604020202090204" pitchFamily="34" charset="0"/>
         <a:buChar char="•"/>
         <a:defRPr sz="1800" kern="1200">
           <a:solidFill>
@@ -2799,7 +2750,7 @@
         <a:spcBef>
           <a:spcPts val="500"/>
         </a:spcBef>
-        <a:buFont typeface="Arial" panose="020B0604020202020204" pitchFamily="34" charset="0"/>
+        <a:buFont typeface="Arial" panose="020B0604020202090204" pitchFamily="34" charset="0"/>
         <a:buChar char="•"/>
         <a:defRPr sz="1800" kern="1200">
           <a:solidFill>
@@ -2817,7 +2768,7 @@
         <a:spcBef>
           <a:spcPts val="500"/>
         </a:spcBef>
-        <a:buFont typeface="Arial" panose="020B0604020202020204" pitchFamily="34" charset="0"/>
+        <a:buFont typeface="Arial" panose="020B0604020202090204" pitchFamily="34" charset="0"/>
         <a:buChar char="•"/>
         <a:defRPr sz="1800" kern="1200">
           <a:solidFill>
@@ -2835,7 +2786,7 @@
         <a:spcBef>
           <a:spcPts val="500"/>
         </a:spcBef>
-        <a:buFont typeface="Arial" panose="020B0604020202020204" pitchFamily="34" charset="0"/>
+        <a:buFont typeface="Arial" panose="020B0604020202090204" pitchFamily="34" charset="0"/>
         <a:buChar char="•"/>
         <a:defRPr sz="1800" kern="1200">
           <a:solidFill>
@@ -2853,7 +2804,7 @@
         <a:spcBef>
           <a:spcPts val="500"/>
         </a:spcBef>
-        <a:buFont typeface="Arial" panose="020B0604020202020204" pitchFamily="34" charset="0"/>
+        <a:buFont typeface="Arial" panose="020B0604020202090204" pitchFamily="34" charset="0"/>
         <a:buChar char="•"/>
         <a:defRPr sz="1800" kern="1200">
           <a:solidFill>
@@ -3025,6 +2976,11 @@
                 </a:rPr>
                 <a:t>OTORGAN EL PRESENTE</a:t>
               </a:r>
+              <a:endParaRPr lang="es-MX" sz="2000" b="1" dirty="0">
+                <a:latin typeface="Segoe UI Historic" panose="020B0502040204020203" pitchFamily="34" charset="0"/>
+                <a:ea typeface="Segoe UI Historic" panose="020B0502040204020203" pitchFamily="34" charset="0"/>
+                <a:cs typeface="Segoe UI Historic" panose="020B0502040204020203" pitchFamily="34" charset="0"/>
+              </a:endParaRPr>
             </a:p>
           </p:txBody>
         </p:sp>
@@ -3054,6 +3010,7 @@
                 <a:rPr lang="es-MX" sz="2200" dirty="0"/>
                 <a:t>Reconocimiento y agradecimiento a:</a:t>
               </a:r>
+              <a:endParaRPr lang="es-MX" sz="2200" dirty="0"/>
             </a:p>
           </p:txBody>
         </p:sp>
@@ -3094,6 +3051,7 @@
                 <a:rPr lang="es-MX" sz="3200" dirty="0"/>
                 <a:t>NORMA PATRICIA MOTA GARCÍA </a:t>
               </a:r>
+              <a:endParaRPr lang="es-MX" sz="3200" dirty="0"/>
             </a:p>
           </p:txBody>
         </p:sp>
@@ -3131,6 +3089,7 @@
                 <a:rPr lang="es-MX" sz="1600" dirty="0"/>
                 <a:t> 2021 como:</a:t>
               </a:r>
+              <a:endParaRPr lang="es-MX" sz="1600" dirty="0"/>
             </a:p>
           </p:txBody>
         </p:sp>
@@ -3171,6 +3130,7 @@
                 <a:rPr lang="es-MX" sz="4400" dirty="0"/>
                 <a:t>ASISTENTE</a:t>
               </a:r>
+              <a:endParaRPr lang="es-MX" sz="4400" dirty="0"/>
             </a:p>
           </p:txBody>
         </p:sp>
@@ -3205,289 +3165,12 @@
                 <a:rPr lang="es-MX" dirty="0"/>
                 <a:t> se llevó a cabo en la Universidad Tecnológica de Torreón, Coahuila, México del 20 al 22 de octubre 2021</a:t>
               </a:r>
+              <a:endParaRPr lang="es-MX" dirty="0"/>
             </a:p>
           </p:txBody>
         </p:sp>
       </p:grpSp>
     </p:spTree>
-    <p:extLst>
-      <p:ext uri="{BB962C8B-B14F-4D97-AF65-F5344CB8AC3E}">
-        <p14:creationId xmlns:p14="http://schemas.microsoft.com/office/powerpoint/2010/main" val="1280120514"/>
-      </p:ext>
-    </p:extLst>
-  </p:cSld>
-  <p:clrMapOvr>
-    <a:masterClrMapping/>
-  </p:clrMapOvr>
-</p:sld>
-</file>
-
-<file path=ppt/slides/slide2.xml><?xml version="1.0" encoding="utf-8"?>
-<p:sld xmlns:a="http://schemas.openxmlformats.org/drawingml/2006/main" xmlns:r="http://schemas.openxmlformats.org/officeDocument/2006/relationships" xmlns:p="http://schemas.openxmlformats.org/presentationml/2006/main">
-  <p:cSld>
-    <p:spTree>
-      <p:nvGrpSpPr>
-        <p:cNvPr id="1" name=""/>
-        <p:cNvGrpSpPr/>
-        <p:nvPr/>
-      </p:nvGrpSpPr>
-      <p:grpSpPr>
-        <a:xfrm>
-          <a:off x="0" y="0"/>
-          <a:ext cx="0" cy="0"/>
-          <a:chOff x="0" y="0"/>
-          <a:chExt cx="0" cy="0"/>
-        </a:xfrm>
-      </p:grpSpPr>
-      <p:grpSp>
-        <p:nvGrpSpPr>
-          <p:cNvPr id="10" name="Grupo 9"/>
-          <p:cNvGrpSpPr/>
-          <p:nvPr/>
-        </p:nvGrpSpPr>
-        <p:grpSpPr>
-          <a:xfrm>
-            <a:off x="2633563" y="1091553"/>
-            <a:ext cx="6540829" cy="3552392"/>
-            <a:chOff x="2633563" y="1091553"/>
-            <a:chExt cx="6540829" cy="3552392"/>
-          </a:xfrm>
-        </p:grpSpPr>
-        <p:sp>
-          <p:nvSpPr>
-            <p:cNvPr id="2" name="CuadroTexto 1"/>
-            <p:cNvSpPr txBox="1"/>
-            <p:nvPr/>
-          </p:nvSpPr>
-          <p:spPr>
-            <a:xfrm>
-              <a:off x="4366697" y="1091553"/>
-              <a:ext cx="2910284" cy="400110"/>
-            </a:xfrm>
-            <a:prstGeom prst="rect">
-              <a:avLst/>
-            </a:prstGeom>
-            <a:noFill/>
-          </p:spPr>
-          <p:txBody>
-            <a:bodyPr wrap="none" rtlCol="0">
-              <a:spAutoFit/>
-            </a:bodyPr>
-            <a:lstStyle/>
-            <a:p>
-              <a:r>
-                <a:rPr lang="es-MX" sz="2000" b="1" dirty="0">
-                  <a:latin typeface="Segoe UI Historic" panose="020B0502040204020203" pitchFamily="34" charset="0"/>
-                  <a:ea typeface="Segoe UI Historic" panose="020B0502040204020203" pitchFamily="34" charset="0"/>
-                  <a:cs typeface="Segoe UI Historic" panose="020B0502040204020203" pitchFamily="34" charset="0"/>
-                </a:rPr>
-                <a:t>OTORGAN EL PRESENTE</a:t>
-              </a:r>
-            </a:p>
-          </p:txBody>
-        </p:sp>
-        <p:sp>
-          <p:nvSpPr>
-            <p:cNvPr id="4" name="CuadroTexto 3"/>
-            <p:cNvSpPr txBox="1"/>
-            <p:nvPr/>
-          </p:nvSpPr>
-          <p:spPr>
-            <a:xfrm>
-              <a:off x="3647109" y="1533585"/>
-              <a:ext cx="4349460" cy="430887"/>
-            </a:xfrm>
-            <a:prstGeom prst="rect">
-              <a:avLst/>
-            </a:prstGeom>
-            <a:noFill/>
-          </p:spPr>
-          <p:txBody>
-            <a:bodyPr wrap="none" rtlCol="0">
-              <a:spAutoFit/>
-            </a:bodyPr>
-            <a:lstStyle/>
-            <a:p>
-              <a:r>
-                <a:rPr lang="es-MX" sz="2200" dirty="0"/>
-                <a:t>Reconocimiento y agradecimiento a:</a:t>
-              </a:r>
-            </a:p>
-          </p:txBody>
-        </p:sp>
-        <p:sp>
-          <p:nvSpPr>
-            <p:cNvPr id="6" name="CuadroTexto 5"/>
-            <p:cNvSpPr txBox="1"/>
-            <p:nvPr/>
-          </p:nvSpPr>
-          <p:spPr>
-            <a:xfrm>
-              <a:off x="2800725" y="2487692"/>
-              <a:ext cx="6343276" cy="584775"/>
-            </a:xfrm>
-            <a:prstGeom prst="rect">
-              <a:avLst/>
-            </a:prstGeom>
-            <a:noFill/>
-          </p:spPr>
-          <p:txBody>
-            <a:bodyPr wrap="square" rtlCol="0">
-              <a:spAutoFit/>
-            </a:bodyPr>
-            <a:lstStyle/>
-            <a:p>
-              <a:pPr algn="ctr"/>
-              <a:r>
-                <a:rPr lang="es-MX" sz="1600" dirty="0"/>
-                <a:t>Por su valiosa participación como </a:t>
-              </a:r>
-              <a:r>
-                <a:rPr lang="es-MX" sz="1600" b="1" dirty="0"/>
-                <a:t>Asistente</a:t>
-              </a:r>
-              <a:r>
-                <a:rPr lang="es-MX" sz="1600" dirty="0"/>
-                <a:t> en el Congreso Internacional CIMPS 2021 en el </a:t>
-              </a:r>
-              <a:r>
-                <a:rPr lang="es-MX" sz="1600" b="1" dirty="0"/>
-                <a:t>taller</a:t>
-              </a:r>
-              <a:r>
-                <a:rPr lang="es-MX" sz="1600" dirty="0"/>
-                <a:t>:</a:t>
-              </a:r>
-            </a:p>
-          </p:txBody>
-        </p:sp>
-        <p:sp>
-          <p:nvSpPr>
-            <p:cNvPr id="9" name="CuadroTexto 8"/>
-            <p:cNvSpPr txBox="1"/>
-            <p:nvPr/>
-          </p:nvSpPr>
-          <p:spPr>
-            <a:xfrm>
-              <a:off x="2633563" y="3997614"/>
-              <a:ext cx="6540829" cy="646331"/>
-            </a:xfrm>
-            <a:prstGeom prst="rect">
-              <a:avLst/>
-            </a:prstGeom>
-            <a:noFill/>
-          </p:spPr>
-          <p:txBody>
-            <a:bodyPr wrap="square" rtlCol="0">
-              <a:spAutoFit/>
-            </a:bodyPr>
-            <a:lstStyle/>
-            <a:p>
-              <a:pPr algn="ctr"/>
-              <a:r>
-                <a:rPr lang="es-MX" dirty="0" err="1"/>
-                <a:t>CIMPS</a:t>
-              </a:r>
-              <a:r>
-                <a:rPr lang="es-MX" dirty="0"/>
-                <a:t> se llevó a cabo en la Universidad Tecnológica de Torreón, Coahuila, México del 20 al 22 de octubre 2021</a:t>
-              </a:r>
-            </a:p>
-          </p:txBody>
-        </p:sp>
-      </p:grpSp>
-      <p:sp>
-        <p:nvSpPr>
-          <p:cNvPr id="11" name="CuadroTexto 10">
-            <a:extLst>
-              <a:ext uri="{FF2B5EF4-FFF2-40B4-BE49-F238E27FC236}">
-                <a16:creationId xmlns:a16="http://schemas.microsoft.com/office/drawing/2014/main" id="{444267E5-32A4-2848-97AD-578AFFFF604A}"/>
-              </a:ext>
-            </a:extLst>
-          </p:cNvPr>
-          <p:cNvSpPr txBox="1"/>
-          <p:nvPr/>
-        </p:nvSpPr>
-        <p:spPr>
-          <a:xfrm>
-            <a:off x="3376650" y="1908979"/>
-            <a:ext cx="4890378" cy="507831"/>
-          </a:xfrm>
-          <a:prstGeom prst="rect">
-            <a:avLst/>
-          </a:prstGeom>
-          <a:noFill/>
-        </p:spPr>
-        <p:txBody>
-          <a:bodyPr wrap="none" rtlCol="0">
-            <a:spAutoFit/>
-          </a:bodyPr>
-          <a:lstStyle>
-            <a:defPPr>
-              <a:defRPr lang="es-MX"/>
-            </a:defPPr>
-            <a:lvl1pPr>
-              <a:defRPr sz="3000" b="1">
-                <a:solidFill>
-                  <a:srgbClr val="7B0C00"/>
-                </a:solidFill>
-              </a:defRPr>
-            </a:lvl1pPr>
-          </a:lstStyle>
-          <a:p>
-            <a:r>
-              <a:rPr lang="es-MX" sz="2700" dirty="0"/>
-              <a:t>Vannesa Maribel Morales Ibarra.</a:t>
-            </a:r>
-          </a:p>
-        </p:txBody>
-      </p:sp>
-      <p:sp>
-        <p:nvSpPr>
-          <p:cNvPr id="12" name="CuadroTexto 11">
-            <a:extLst>
-              <a:ext uri="{FF2B5EF4-FFF2-40B4-BE49-F238E27FC236}">
-                <a16:creationId xmlns:a16="http://schemas.microsoft.com/office/drawing/2014/main" id="{E5F1B2BD-7B3C-9F49-A257-9C86D27AFE29}"/>
-              </a:ext>
-            </a:extLst>
-          </p:cNvPr>
-          <p:cNvSpPr txBox="1"/>
-          <p:nvPr/>
-        </p:nvSpPr>
-        <p:spPr>
-          <a:xfrm>
-            <a:off x="2800725" y="3043507"/>
-            <a:ext cx="6343275" cy="954107"/>
-          </a:xfrm>
-          <a:prstGeom prst="rect">
-            <a:avLst/>
-          </a:prstGeom>
-          <a:noFill/>
-        </p:spPr>
-        <p:txBody>
-          <a:bodyPr wrap="square" rtlCol="0">
-            <a:spAutoFit/>
-          </a:bodyPr>
-          <a:lstStyle/>
-          <a:p>
-            <a:pPr algn="ctr"/>
-            <a:r>
-              <a:rPr lang="es-MX" sz="2700" b="1" dirty="0">
-                <a:solidFill>
-                  <a:srgbClr val="7B0C00"/>
-                </a:solidFill>
-              </a:rPr>
-              <a:t>Plataforma HUB Data Lake para procesos DataSecOps y DevSecOps Empresariales.</a:t>
-            </a:r>
-          </a:p>
-        </p:txBody>
-      </p:sp>
-    </p:spTree>
-    <p:extLst>
-      <p:ext uri="{BB962C8B-B14F-4D97-AF65-F5344CB8AC3E}">
-        <p14:creationId xmlns:p14="http://schemas.microsoft.com/office/powerpoint/2010/main" val="319193187"/>
-      </p:ext>
-    </p:extLst>
   </p:cSld>
   <p:clrMapOvr>
     <a:masterClrMapping/>
@@ -3538,7 +3221,7 @@
     </a:clrScheme>
     <a:fontScheme name="Tema de Office">
       <a:majorFont>
-        <a:latin typeface="Calibri Light" panose="020F0302020204030204"/>
+        <a:latin typeface="Calibri Light"/>
         <a:ea typeface=""/>
         <a:cs typeface=""/>
         <a:font script="Jpan" typeface="游ゴシック Light"/>
@@ -3573,7 +3256,7 @@
         <a:font script="Geor" typeface="Sylfaen"/>
       </a:majorFont>
       <a:minorFont>
-        <a:latin typeface="Calibri" panose="020F0502020204030204"/>
+        <a:latin typeface="Calibri"/>
         <a:ea typeface=""/>
         <a:cs typeface=""/>
         <a:font script="Jpan" typeface="游ゴシック"/>
@@ -3746,8 +3429,6 @@
       </a:bgFillStyleLst>
     </a:fmtScheme>
   </a:themeElements>
-  <a:objectDefaults/>
-  <a:extraClrSchemeLst/>
   <a:extLst>
     <a:ext uri="{05A4C25C-085E-4340-85A3-A5531E510DB2}">
       <thm15:themeFamily xmlns:thm15="http://schemas.microsoft.com/office/thememl/2012/main" name="Office Theme" id="{62F939B6-93AF-4DB8-9C6B-D6C7DFDC589F}" vid="{4A3C46E8-61CC-4603-A589-7422A47A8E4A}"/>

--- a/src/templates/certificate.pptx
+++ b/src/templates/certificate.pptx
@@ -2146,7 +2146,7 @@
           </p:nvSpPr>
           <p:spPr>
             <a:xfrm>
-              <a:off x="2701080" y="2882880"/>
+              <a:off x="2701080" y="2739370"/>
               <a:ext cx="6405120" cy="333720"/>
             </a:xfrm>
             <a:prstGeom prst="rect">
@@ -2202,7 +2202,7 @@
           </p:nvSpPr>
           <p:spPr>
             <a:xfrm>
-              <a:off x="531000" y="3371630"/>
+              <a:off x="531000" y="3156365"/>
               <a:ext cx="10552680" cy="760680"/>
             </a:xfrm>
             <a:prstGeom prst="rect">
